--- a/Car Overspeed Detection System.pptx
+++ b/Car Overspeed Detection System.pptx
@@ -111,6 +111,11 @@
       </a:defRPr>
     </a:lvl9pPr>
   </p:defaultTextStyle>
+  <p:extLst>
+    <p:ext uri="{EFAFB233-063F-42B5-8137-9DF3F51BA10A}">
+      <p15:sldGuideLst xmlns:p15="http://schemas.microsoft.com/office/powerpoint/2012/main"/>
+    </p:ext>
+  </p:extLst>
 </p:presentation>
 </file>
 
@@ -261,7 +266,7 @@
           <a:p>
             <a:fld id="{468A9916-9BEC-46B1-84A2-1DFB365B8F17}" type="datetimeFigureOut">
               <a:rPr lang="en-US" smtClean="0"/>
-              <a:t>2/27/2023</a:t>
+              <a:t>3/1/2023</a:t>
             </a:fld>
             <a:endParaRPr lang="en-US"/>
           </a:p>
@@ -459,7 +464,7 @@
           <a:p>
             <a:fld id="{468A9916-9BEC-46B1-84A2-1DFB365B8F17}" type="datetimeFigureOut">
               <a:rPr lang="en-US" smtClean="0"/>
-              <a:t>2/27/2023</a:t>
+              <a:t>3/1/2023</a:t>
             </a:fld>
             <a:endParaRPr lang="en-US"/>
           </a:p>
@@ -667,7 +672,7 @@
           <a:p>
             <a:fld id="{468A9916-9BEC-46B1-84A2-1DFB365B8F17}" type="datetimeFigureOut">
               <a:rPr lang="en-US" smtClean="0"/>
-              <a:t>2/27/2023</a:t>
+              <a:t>3/1/2023</a:t>
             </a:fld>
             <a:endParaRPr lang="en-US"/>
           </a:p>
@@ -865,7 +870,7 @@
           <a:p>
             <a:fld id="{468A9916-9BEC-46B1-84A2-1DFB365B8F17}" type="datetimeFigureOut">
               <a:rPr lang="en-US" smtClean="0"/>
-              <a:t>2/27/2023</a:t>
+              <a:t>3/1/2023</a:t>
             </a:fld>
             <a:endParaRPr lang="en-US"/>
           </a:p>
@@ -1140,7 +1145,7 @@
           <a:p>
             <a:fld id="{468A9916-9BEC-46B1-84A2-1DFB365B8F17}" type="datetimeFigureOut">
               <a:rPr lang="en-US" smtClean="0"/>
-              <a:t>2/27/2023</a:t>
+              <a:t>3/1/2023</a:t>
             </a:fld>
             <a:endParaRPr lang="en-US"/>
           </a:p>
@@ -1405,7 +1410,7 @@
           <a:p>
             <a:fld id="{468A9916-9BEC-46B1-84A2-1DFB365B8F17}" type="datetimeFigureOut">
               <a:rPr lang="en-US" smtClean="0"/>
-              <a:t>2/27/2023</a:t>
+              <a:t>3/1/2023</a:t>
             </a:fld>
             <a:endParaRPr lang="en-US"/>
           </a:p>
@@ -1817,7 +1822,7 @@
           <a:p>
             <a:fld id="{468A9916-9BEC-46B1-84A2-1DFB365B8F17}" type="datetimeFigureOut">
               <a:rPr lang="en-US" smtClean="0"/>
-              <a:t>2/27/2023</a:t>
+              <a:t>3/1/2023</a:t>
             </a:fld>
             <a:endParaRPr lang="en-US"/>
           </a:p>
@@ -1958,7 +1963,7 @@
           <a:p>
             <a:fld id="{468A9916-9BEC-46B1-84A2-1DFB365B8F17}" type="datetimeFigureOut">
               <a:rPr lang="en-US" smtClean="0"/>
-              <a:t>2/27/2023</a:t>
+              <a:t>3/1/2023</a:t>
             </a:fld>
             <a:endParaRPr lang="en-US"/>
           </a:p>
@@ -2071,7 +2076,7 @@
           <a:p>
             <a:fld id="{468A9916-9BEC-46B1-84A2-1DFB365B8F17}" type="datetimeFigureOut">
               <a:rPr lang="en-US" smtClean="0"/>
-              <a:t>2/27/2023</a:t>
+              <a:t>3/1/2023</a:t>
             </a:fld>
             <a:endParaRPr lang="en-US"/>
           </a:p>
@@ -2382,7 +2387,7 @@
           <a:p>
             <a:fld id="{468A9916-9BEC-46B1-84A2-1DFB365B8F17}" type="datetimeFigureOut">
               <a:rPr lang="en-US" smtClean="0"/>
-              <a:t>2/27/2023</a:t>
+              <a:t>3/1/2023</a:t>
             </a:fld>
             <a:endParaRPr lang="en-US"/>
           </a:p>
@@ -2670,7 +2675,7 @@
           <a:p>
             <a:fld id="{468A9916-9BEC-46B1-84A2-1DFB365B8F17}" type="datetimeFigureOut">
               <a:rPr lang="en-US" smtClean="0"/>
-              <a:t>2/27/2023</a:t>
+              <a:t>3/1/2023</a:t>
             </a:fld>
             <a:endParaRPr lang="en-US"/>
           </a:p>
@@ -2911,7 +2916,7 @@
           <a:p>
             <a:fld id="{468A9916-9BEC-46B1-84A2-1DFB365B8F17}" type="datetimeFigureOut">
               <a:rPr lang="en-US" smtClean="0"/>
-              <a:t>2/27/2023</a:t>
+              <a:t>3/1/2023</a:t>
             </a:fld>
             <a:endParaRPr lang="en-US"/>
           </a:p>
@@ -3346,12 +3351,16 @@
         </p:nvSpPr>
         <p:spPr/>
         <p:txBody>
-          <a:bodyPr/>
+          <a:bodyPr anchor="ctr"/>
           <a:lstStyle/>
           <a:p>
             <a:r>
+              <a:rPr lang="en-US" dirty="0" err="1"/>
+              <a:t>Overspeeding</a:t>
+            </a:r>
+            <a:r>
               <a:rPr lang="en-US" dirty="0"/>
-              <a:t>Car Overspeed Detection System</a:t>
+              <a:t> Detection System</a:t>
             </a:r>
           </a:p>
         </p:txBody>
@@ -3397,8 +3406,13 @@
             </a:r>
             <a:r>
               <a:rPr lang="en-US" dirty="0"/>
-              <a:t>, Delhi - 110095</a:t>
-            </a:r>
+              <a:t>, Delhi </a:t>
+            </a:r>
+            <a:r>
+              <a:rPr lang="en-US"/>
+              <a:t>- 110092</a:t>
+            </a:r>
+            <a:endParaRPr lang="en-US" dirty="0"/>
           </a:p>
         </p:txBody>
       </p:sp>
@@ -3447,13 +3461,13 @@
   <p:clrMapOvr>
     <a:masterClrMapping/>
   </p:clrMapOvr>
-  <mc:AlternateContent xmlns:mc="http://schemas.openxmlformats.org/markup-compatibility/2006">
-    <mc:Choice xmlns:p159="http://schemas.microsoft.com/office/powerpoint/2015/09/main" Requires="p159">
+  <mc:AlternateContent xmlns:mc="http://schemas.openxmlformats.org/markup-compatibility/2006" xmlns:p159="http://schemas.microsoft.com/office/powerpoint/2015/09/main">
+    <mc:Choice Requires="p159">
       <p:transition xmlns:p14="http://schemas.microsoft.com/office/powerpoint/2010/main" spd="slow" p14:dur="2000">
         <p159:morph option="byObject"/>
       </p:transition>
     </mc:Choice>
-    <mc:Fallback>
+    <mc:Fallback xmlns="">
       <p:transition spd="slow">
         <p:fade/>
       </p:transition>
@@ -3648,13 +3662,13 @@
   <p:clrMapOvr>
     <a:masterClrMapping/>
   </p:clrMapOvr>
-  <mc:AlternateContent xmlns:mc="http://schemas.openxmlformats.org/markup-compatibility/2006">
-    <mc:Choice xmlns:p159="http://schemas.microsoft.com/office/powerpoint/2015/09/main" Requires="p159">
+  <mc:AlternateContent xmlns:mc="http://schemas.openxmlformats.org/markup-compatibility/2006" xmlns:p159="http://schemas.microsoft.com/office/powerpoint/2015/09/main">
+    <mc:Choice Requires="p159">
       <p:transition xmlns:p14="http://schemas.microsoft.com/office/powerpoint/2010/main" spd="slow" p14:dur="2000">
         <p159:morph option="byObject"/>
       </p:transition>
     </mc:Choice>
-    <mc:Fallback>
+    <mc:Fallback xmlns="">
       <p:transition spd="slow">
         <p:fade/>
       </p:transition>
@@ -4116,13 +4130,13 @@
   <p:clrMapOvr>
     <a:masterClrMapping/>
   </p:clrMapOvr>
-  <mc:AlternateContent xmlns:mc="http://schemas.openxmlformats.org/markup-compatibility/2006">
-    <mc:Choice xmlns:p159="http://schemas.microsoft.com/office/powerpoint/2015/09/main" Requires="p159">
+  <mc:AlternateContent xmlns:mc="http://schemas.openxmlformats.org/markup-compatibility/2006" xmlns:p159="http://schemas.microsoft.com/office/powerpoint/2015/09/main">
+    <mc:Choice Requires="p159">
       <p:transition xmlns:p14="http://schemas.microsoft.com/office/powerpoint/2010/main" spd="slow" p14:dur="2000">
         <p159:morph option="byObject"/>
       </p:transition>
     </mc:Choice>
-    <mc:Fallback>
+    <mc:Fallback xmlns="">
       <p:transition spd="slow">
         <p:fade/>
       </p:transition>
@@ -4810,13 +4824,13 @@
   <p:clrMapOvr>
     <a:masterClrMapping/>
   </p:clrMapOvr>
-  <mc:AlternateContent xmlns:mc="http://schemas.openxmlformats.org/markup-compatibility/2006">
-    <mc:Choice xmlns:p159="http://schemas.microsoft.com/office/powerpoint/2015/09/main" Requires="p159">
+  <mc:AlternateContent xmlns:mc="http://schemas.openxmlformats.org/markup-compatibility/2006" xmlns:p159="http://schemas.microsoft.com/office/powerpoint/2015/09/main">
+    <mc:Choice Requires="p159">
       <p:transition xmlns:p14="http://schemas.microsoft.com/office/powerpoint/2010/main" spd="slow" p14:dur="2000">
         <p159:morph option="byObject"/>
       </p:transition>
     </mc:Choice>
-    <mc:Fallback>
+    <mc:Fallback xmlns="">
       <p:transition spd="slow">
         <p:fade/>
       </p:transition>
@@ -5395,13 +5409,13 @@
   <p:clrMapOvr>
     <a:masterClrMapping/>
   </p:clrMapOvr>
-  <mc:AlternateContent xmlns:mc="http://schemas.openxmlformats.org/markup-compatibility/2006">
-    <mc:Choice xmlns:p159="http://schemas.microsoft.com/office/powerpoint/2015/09/main" Requires="p159">
+  <mc:AlternateContent xmlns:mc="http://schemas.openxmlformats.org/markup-compatibility/2006" xmlns:p159="http://schemas.microsoft.com/office/powerpoint/2015/09/main">
+    <mc:Choice Requires="p159">
       <p:transition xmlns:p14="http://schemas.microsoft.com/office/powerpoint/2010/main" spd="slow" p14:dur="2000">
         <p159:morph option="byObject"/>
       </p:transition>
     </mc:Choice>
-    <mc:Fallback>
+    <mc:Fallback xmlns="">
       <p:transition spd="slow">
         <p:fade/>
       </p:transition>
@@ -5894,13 +5908,13 @@
   <p:clrMapOvr>
     <a:masterClrMapping/>
   </p:clrMapOvr>
-  <mc:AlternateContent xmlns:mc="http://schemas.openxmlformats.org/markup-compatibility/2006">
-    <mc:Choice xmlns:p159="http://schemas.microsoft.com/office/powerpoint/2015/09/main" Requires="p159">
+  <mc:AlternateContent xmlns:mc="http://schemas.openxmlformats.org/markup-compatibility/2006" xmlns:p159="http://schemas.microsoft.com/office/powerpoint/2015/09/main">
+    <mc:Choice Requires="p159">
       <p:transition xmlns:p14="http://schemas.microsoft.com/office/powerpoint/2010/main" spd="slow" p14:dur="2000">
         <p159:morph option="byObject"/>
       </p:transition>
     </mc:Choice>
-    <mc:Fallback>
+    <mc:Fallback xmlns="">
       <p:transition spd="slow">
         <p:fade/>
       </p:transition>
@@ -6923,13 +6937,13 @@
   <p:clrMapOvr>
     <a:masterClrMapping/>
   </p:clrMapOvr>
-  <mc:AlternateContent xmlns:mc="http://schemas.openxmlformats.org/markup-compatibility/2006">
-    <mc:Choice xmlns:p159="http://schemas.microsoft.com/office/powerpoint/2015/09/main" Requires="p159">
+  <mc:AlternateContent xmlns:mc="http://schemas.openxmlformats.org/markup-compatibility/2006" xmlns:p159="http://schemas.microsoft.com/office/powerpoint/2015/09/main">
+    <mc:Choice Requires="p159">
       <p:transition xmlns:p14="http://schemas.microsoft.com/office/powerpoint/2010/main" spd="slow" p14:dur="2000">
         <p159:morph option="byObject"/>
       </p:transition>
     </mc:Choice>
-    <mc:Fallback>
+    <mc:Fallback xmlns="">
       <p:transition spd="slow">
         <p:fade/>
       </p:transition>
@@ -7279,13 +7293,13 @@
   <p:clrMapOvr>
     <a:masterClrMapping/>
   </p:clrMapOvr>
-  <mc:AlternateContent xmlns:mc="http://schemas.openxmlformats.org/markup-compatibility/2006">
-    <mc:Choice xmlns:p159="http://schemas.microsoft.com/office/powerpoint/2015/09/main" Requires="p159">
+  <mc:AlternateContent xmlns:mc="http://schemas.openxmlformats.org/markup-compatibility/2006" xmlns:p159="http://schemas.microsoft.com/office/powerpoint/2015/09/main">
+    <mc:Choice Requires="p159">
       <p:transition xmlns:p14="http://schemas.microsoft.com/office/powerpoint/2010/main" spd="slow" p14:dur="2000">
         <p159:morph option="byObject"/>
       </p:transition>
     </mc:Choice>
-    <mc:Fallback>
+    <mc:Fallback xmlns="">
       <p:transition spd="slow">
         <p:fade/>
       </p:transition>
